--- a/slides/fr/Jour2_CadreRubin.pptx
+++ b/slides/fr/Jour2_CadreRubin.pptx
@@ -120,6 +120,11 @@
       </a:defRPr>
     </a:lvl9pPr>
   </p:defaultTextStyle>
+  <p:extLst>
+    <p:ext uri="{EFAFB233-063F-42B5-8137-9DF3F51BA10A}">
+      <p15:sldGuideLst xmlns:p15="http://schemas.microsoft.com/office/powerpoint/2012/main"/>
+    </p:ext>
+  </p:extLst>
 </p:presentation>
 </file>
 
@@ -270,7 +275,7 @@
           <a:p>
             <a:fld id="{12E158D7-850C-458C-8854-0EF90EB03D8F}" type="datetimeFigureOut">
               <a:rPr lang="fr-FR" smtClean="0"/>
-              <a:t>30/06/2025</a:t>
+              <a:t>01/07/2025</a:t>
             </a:fld>
             <a:endParaRPr lang="fr-FR"/>
           </a:p>
@@ -468,7 +473,7 @@
           <a:p>
             <a:fld id="{12E158D7-850C-458C-8854-0EF90EB03D8F}" type="datetimeFigureOut">
               <a:rPr lang="fr-FR" smtClean="0"/>
-              <a:t>30/06/2025</a:t>
+              <a:t>01/07/2025</a:t>
             </a:fld>
             <a:endParaRPr lang="fr-FR"/>
           </a:p>
@@ -676,7 +681,7 @@
           <a:p>
             <a:fld id="{12E158D7-850C-458C-8854-0EF90EB03D8F}" type="datetimeFigureOut">
               <a:rPr lang="fr-FR" smtClean="0"/>
-              <a:t>30/06/2025</a:t>
+              <a:t>01/07/2025</a:t>
             </a:fld>
             <a:endParaRPr lang="fr-FR"/>
           </a:p>
@@ -874,7 +879,7 @@
           <a:p>
             <a:fld id="{12E158D7-850C-458C-8854-0EF90EB03D8F}" type="datetimeFigureOut">
               <a:rPr lang="fr-FR" smtClean="0"/>
-              <a:t>30/06/2025</a:t>
+              <a:t>01/07/2025</a:t>
             </a:fld>
             <a:endParaRPr lang="fr-FR"/>
           </a:p>
@@ -1149,7 +1154,7 @@
           <a:p>
             <a:fld id="{12E158D7-850C-458C-8854-0EF90EB03D8F}" type="datetimeFigureOut">
               <a:rPr lang="fr-FR" smtClean="0"/>
-              <a:t>30/06/2025</a:t>
+              <a:t>01/07/2025</a:t>
             </a:fld>
             <a:endParaRPr lang="fr-FR"/>
           </a:p>
@@ -1414,7 +1419,7 @@
           <a:p>
             <a:fld id="{12E158D7-850C-458C-8854-0EF90EB03D8F}" type="datetimeFigureOut">
               <a:rPr lang="fr-FR" smtClean="0"/>
-              <a:t>30/06/2025</a:t>
+              <a:t>01/07/2025</a:t>
             </a:fld>
             <a:endParaRPr lang="fr-FR"/>
           </a:p>
@@ -1826,7 +1831,7 @@
           <a:p>
             <a:fld id="{12E158D7-850C-458C-8854-0EF90EB03D8F}" type="datetimeFigureOut">
               <a:rPr lang="fr-FR" smtClean="0"/>
-              <a:t>30/06/2025</a:t>
+              <a:t>01/07/2025</a:t>
             </a:fld>
             <a:endParaRPr lang="fr-FR"/>
           </a:p>
@@ -1967,7 +1972,7 @@
           <a:p>
             <a:fld id="{12E158D7-850C-458C-8854-0EF90EB03D8F}" type="datetimeFigureOut">
               <a:rPr lang="fr-FR" smtClean="0"/>
-              <a:t>30/06/2025</a:t>
+              <a:t>01/07/2025</a:t>
             </a:fld>
             <a:endParaRPr lang="fr-FR"/>
           </a:p>
@@ -2080,7 +2085,7 @@
           <a:p>
             <a:fld id="{12E158D7-850C-458C-8854-0EF90EB03D8F}" type="datetimeFigureOut">
               <a:rPr lang="fr-FR" smtClean="0"/>
-              <a:t>30/06/2025</a:t>
+              <a:t>01/07/2025</a:t>
             </a:fld>
             <a:endParaRPr lang="fr-FR"/>
           </a:p>
@@ -2391,7 +2396,7 @@
           <a:p>
             <a:fld id="{12E158D7-850C-458C-8854-0EF90EB03D8F}" type="datetimeFigureOut">
               <a:rPr lang="fr-FR" smtClean="0"/>
-              <a:t>30/06/2025</a:t>
+              <a:t>01/07/2025</a:t>
             </a:fld>
             <a:endParaRPr lang="fr-FR"/>
           </a:p>
@@ -2679,7 +2684,7 @@
           <a:p>
             <a:fld id="{12E158D7-850C-458C-8854-0EF90EB03D8F}" type="datetimeFigureOut">
               <a:rPr lang="fr-FR" smtClean="0"/>
-              <a:t>30/06/2025</a:t>
+              <a:t>01/07/2025</a:t>
             </a:fld>
             <a:endParaRPr lang="fr-FR"/>
           </a:p>
@@ -2920,7 +2925,7 @@
           <a:p>
             <a:fld id="{12E158D7-850C-458C-8854-0EF90EB03D8F}" type="datetimeFigureOut">
               <a:rPr lang="fr-FR" smtClean="0"/>
-              <a:t>30/06/2025</a:t>
+              <a:t>01/07/2025</a:t>
             </a:fld>
             <a:endParaRPr lang="fr-FR"/>
           </a:p>
@@ -3580,7 +3585,7 @@
         <p:spPr/>
         <p:txBody>
           <a:bodyPr>
-            <a:normAutofit fontScale="92500" lnSpcReduction="10000"/>
+            <a:normAutofit/>
           </a:bodyPr>
           <a:lstStyle/>
           <a:p>
@@ -3588,64 +3593,78 @@
               <a:buNone/>
             </a:pPr>
             <a:r>
-              <a:rPr lang="fr-FR" b="1"/>
+              <a:rPr lang="fr-FR" b="1" dirty="0"/>
               <a:t>Celles qu'on verra le plus en détail :</a:t>
             </a:r>
           </a:p>
           <a:p>
             <a:r>
+              <a:rPr lang="fr-FR" dirty="0"/>
+              <a:t>Essais randomisés contrôlés (ERC, RCT en anglais)</a:t>
+            </a:r>
+          </a:p>
+          <a:p>
+            <a:pPr lvl="1"/>
+            <a:r>
+              <a:rPr lang="fr-FR" dirty="0"/>
+              <a:t>Allocation aléatoire des individus dans les groupes traitement et contrôle.</a:t>
+            </a:r>
+          </a:p>
+          <a:p>
+            <a:r>
+              <a:rPr lang="fr-FR" dirty="0"/>
+              <a:t>Appariement (Matching)</a:t>
+            </a:r>
+          </a:p>
+          <a:p>
+            <a:pPr lvl="1"/>
+            <a:r>
+              <a:rPr lang="fr-FR" dirty="0"/>
+              <a:t>Jumelage d'individus traités avec des individus non traités ayant des caractéristiques observables similaires.</a:t>
+            </a:r>
+          </a:p>
+          <a:p>
+            <a:r>
+              <a:rPr lang="fr-FR" dirty="0"/>
+              <a:t>Différence dans la différence (Diff-in-Diff)</a:t>
+            </a:r>
+          </a:p>
+          <a:p>
+            <a:pPr lvl="1"/>
+            <a:r>
+              <a:rPr lang="fr-FR" dirty="0"/>
+              <a:t>Comparaison des écarts entre les groupes traitement et contrôle avant et après une intervention.</a:t>
+            </a:r>
+          </a:p>
+          <a:p>
+            <a:pPr lvl="1"/>
+            <a:r>
+              <a:rPr lang="fr-FR" dirty="0"/>
+              <a:t>Aussi appelé </a:t>
+            </a:r>
+            <a:r>
+              <a:rPr lang="fr-FR" dirty="0" err="1"/>
+              <a:t>Before</a:t>
+            </a:r>
+            <a:r>
+              <a:rPr lang="fr-FR" dirty="0"/>
+              <a:t>-</a:t>
+            </a:r>
+            <a:r>
+              <a:rPr lang="fr-FR" dirty="0" err="1"/>
+              <a:t>After</a:t>
+            </a:r>
+            <a:r>
               <a:rPr lang="fr-FR"/>
-              <a:t>Essais randomisés contrôlés (ERC, RCT en anglais)</a:t>
-            </a:r>
-          </a:p>
-          <a:p>
-            <a:pPr lvl="1"/>
-            <a:r>
-              <a:rPr lang="fr-FR"/>
-              <a:t>Allocation aléatoire des individus dans les groupes traitement et contrôle.</a:t>
-            </a:r>
-          </a:p>
-          <a:p>
-            <a:r>
-              <a:rPr lang="fr-FR"/>
-              <a:t>Avant-après/avec-sans (BACI)</a:t>
-            </a:r>
-          </a:p>
-          <a:p>
-            <a:pPr lvl="1"/>
-            <a:r>
-              <a:rPr lang="fr-FR"/>
-              <a:t>Comparaison des observations avant et après une intervention, en intégrant à la fois des zones traitées et des zones témoins.</a:t>
-            </a:r>
-          </a:p>
-          <a:p>
-            <a:r>
-              <a:rPr lang="fr-FR"/>
-              <a:t>Appariement (Matching)</a:t>
-            </a:r>
-          </a:p>
-          <a:p>
-            <a:pPr lvl="1"/>
-            <a:r>
-              <a:rPr lang="fr-FR"/>
-              <a:t>Jumelage d'individus traités avec des individus non traités ayant des caractéristiques observables similaires.</a:t>
-            </a:r>
-          </a:p>
-          <a:p>
-            <a:r>
-              <a:rPr lang="fr-FR"/>
-              <a:t>Différence dans la différence (Diff-in-Diff)</a:t>
-            </a:r>
-          </a:p>
-          <a:p>
-            <a:pPr lvl="1"/>
-            <a:r>
-              <a:rPr lang="fr-FR"/>
-              <a:t>Comparaison des écarts entre les groupes traitement et contrôle avant et après une intervention.</a:t>
-            </a:r>
-          </a:p>
-          <a:p>
-            <a:endParaRPr lang="fr-FR"/>
+              <a:t>-Control-Impact </a:t>
+            </a:r>
+            <a:r>
+              <a:rPr lang="fr-FR" dirty="0"/>
+              <a:t>(BACI).</a:t>
+            </a:r>
+          </a:p>
+          <a:p>
+            <a:endParaRPr lang="fr-FR" dirty="0"/>
           </a:p>
         </p:txBody>
       </p:sp>
@@ -3990,55 +4009,6 @@
                                           <p:spTgt spid="5">
                                             <p:txEl>
                                               <p:pRg st="7" end="7"/>
-                                            </p:txEl>
-                                          </p:spTgt>
-                                        </p:tgtEl>
-                                        <p:attrNameLst>
-                                          <p:attrName>style.visibility</p:attrName>
-                                        </p:attrNameLst>
-                                      </p:cBhvr>
-                                      <p:to>
-                                        <p:strVal val="visible"/>
-                                      </p:to>
-                                    </p:set>
-                                  </p:childTnLst>
-                                </p:cTn>
-                              </p:par>
-                            </p:childTnLst>
-                          </p:cTn>
-                        </p:par>
-                      </p:childTnLst>
-                    </p:cTn>
-                  </p:par>
-                  <p:par>
-                    <p:cTn id="31" fill="hold">
-                      <p:stCondLst>
-                        <p:cond delay="indefinite"/>
-                      </p:stCondLst>
-                      <p:childTnLst>
-                        <p:par>
-                          <p:cTn id="32" fill="hold">
-                            <p:stCondLst>
-                              <p:cond delay="0"/>
-                            </p:stCondLst>
-                            <p:childTnLst>
-                              <p:par>
-                                <p:cTn id="33" presetID="1" presetClass="entr" presetSubtype="0" fill="hold" nodeType="clickEffect">
-                                  <p:stCondLst>
-                                    <p:cond delay="0"/>
-                                  </p:stCondLst>
-                                  <p:childTnLst>
-                                    <p:set>
-                                      <p:cBhvr>
-                                        <p:cTn id="34" dur="1" fill="hold">
-                                          <p:stCondLst>
-                                            <p:cond delay="0"/>
-                                          </p:stCondLst>
-                                        </p:cTn>
-                                        <p:tgtEl>
-                                          <p:spTgt spid="5">
-                                            <p:txEl>
-                                              <p:pRg st="8" end="8"/>
                                             </p:txEl>
                                           </p:spTgt>
                                         </p:tgtEl>
